--- a/T-Health.ProjectPresentation.pptx
+++ b/T-Health.ProjectPresentation.pptx
@@ -6847,31 +6847,6 @@
           </a:p>
         </p:txBody>
       </p:sp>
-      <p:sp>
-        <p:nvSpPr>
-          <p:cNvPr id="7" name="Text Placeholder 6">
-            <a:extLst>
-              <a:ext uri="{FF2B5EF4-FFF2-40B4-BE49-F238E27FC236}">
-                <a16:creationId xmlns:a16="http://schemas.microsoft.com/office/drawing/2014/main" id="{9D2D46FD-0F3C-4F27-8DE7-EEB9BC68262C}"/>
-              </a:ext>
-            </a:extLst>
-          </p:cNvPr>
-          <p:cNvSpPr>
-            <a:spLocks noGrp="1"/>
-          </p:cNvSpPr>
-          <p:nvPr>
-            <p:ph type="body" idx="1"/>
-          </p:nvPr>
-        </p:nvSpPr>
-        <p:spPr/>
-        <p:txBody>
-          <a:bodyPr/>
-          <a:lstStyle/>
-          <a:p>
-            <a:endParaRPr lang="en-US"/>
-          </a:p>
-        </p:txBody>
-      </p:sp>
     </p:spTree>
     <p:extLst>
       <p:ext uri="{BB962C8B-B14F-4D97-AF65-F5344CB8AC3E}">
@@ -9834,6 +9809,23 @@
 <file path=ppt/slides/slide9.xml><?xml version="1.0" encoding="utf-8"?>
 <p:sld xmlns:a="http://schemas.openxmlformats.org/drawingml/2006/main" xmlns:r="http://schemas.openxmlformats.org/officeDocument/2006/relationships" xmlns:p="http://schemas.openxmlformats.org/presentationml/2006/main">
   <p:cSld>
+    <p:bg>
+      <p:bgPr>
+        <a:gradFill flip="none" rotWithShape="1">
+          <a:gsLst>
+            <a:gs pos="0">
+              <a:srgbClr val="D9D9D9"/>
+            </a:gs>
+            <a:gs pos="100000">
+              <a:schemeClr val="bg1"/>
+            </a:gs>
+          </a:gsLst>
+          <a:lin ang="16200000" scaled="1"/>
+          <a:tileRect/>
+        </a:gradFill>
+        <a:effectLst/>
+      </p:bgPr>
+    </p:bg>
     <p:spTree>
       <p:nvGrpSpPr>
         <p:cNvPr id="1" name=""/>
@@ -9858,9 +9850,15 @@
             <p:ph type="title"/>
           </p:nvPr>
         </p:nvSpPr>
-        <p:spPr/>
+        <p:spPr>
+          <a:prstGeom prst="rect">
+            <a:avLst/>
+          </a:prstGeom>
+        </p:spPr>
         <p:txBody>
-          <a:bodyPr/>
+          <a:bodyPr anchor="ctr">
+            <a:normAutofit/>
+          </a:bodyPr>
           <a:lstStyle/>
           <a:p>
             <a:r>
@@ -9870,37 +9868,78 @@
           </a:p>
         </p:txBody>
       </p:sp>
-      <p:sp>
-        <p:nvSpPr>
-          <p:cNvPr id="3" name="Picture Placeholder 2" descr="An empty placeholder to add an image. Click on the placeholder and select the image that you wish to add."/>
-          <p:cNvSpPr>
-            <a:spLocks noGrp="1"/>
-          </p:cNvSpPr>
+      <p:pic>
+        <p:nvPicPr>
+          <p:cNvPr id="6" name="Picture Placeholder 5" descr="A screenshot of a person&#10;&#10;Description automatically generated">
+            <a:extLst>
+              <a:ext uri="{FF2B5EF4-FFF2-40B4-BE49-F238E27FC236}">
+                <a16:creationId xmlns:a16="http://schemas.microsoft.com/office/drawing/2014/main" id="{FD0D2C1A-2377-498A-9D6C-FFABF2B227B0}"/>
+              </a:ext>
+            </a:extLst>
+          </p:cNvPr>
+          <p:cNvPicPr>
+            <a:picLocks noGrp="1" noChangeAspect="1"/>
+          </p:cNvPicPr>
           <p:nvPr>
-            <p:ph type="pic" idx="1"/>
+            <p:ph sz="half" idx="2"/>
           </p:nvPr>
-        </p:nvSpPr>
-        <p:spPr/>
-      </p:sp>
-      <p:sp>
-        <p:nvSpPr>
-          <p:cNvPr id="4" name="Text Placeholder 3"/>
-          <p:cNvSpPr>
-            <a:spLocks noGrp="1"/>
-          </p:cNvSpPr>
+        </p:nvPicPr>
+        <p:blipFill rotWithShape="1">
+          <a:blip r:embed="rId2">
+            <a:extLst>
+              <a:ext uri="{28A0092B-C50C-407E-A947-70E740481C1C}">
+                <a14:useLocalDpi xmlns:a14="http://schemas.microsoft.com/office/drawing/2010/main" val="0"/>
+              </a:ext>
+            </a:extLst>
+          </a:blip>
+          <a:stretch/>
+        </p:blipFill>
+        <p:spPr>
+          <a:xfrm>
+            <a:off x="76200" y="2057400"/>
+            <a:ext cx="5714999" cy="3886200"/>
+          </a:xfrm>
+          <a:prstGeom prst="rect">
+            <a:avLst/>
+          </a:prstGeom>
+          <a:noFill/>
+        </p:spPr>
+      </p:pic>
+      <p:pic>
+        <p:nvPicPr>
+          <p:cNvPr id="12" name="Content Placeholder 11" descr="A screenshot of a social media post&#10;&#10;Description automatically generated">
+            <a:extLst>
+              <a:ext uri="{FF2B5EF4-FFF2-40B4-BE49-F238E27FC236}">
+                <a16:creationId xmlns:a16="http://schemas.microsoft.com/office/drawing/2014/main" id="{F86E3532-5882-4D65-858E-40F7E4E66C0C}"/>
+              </a:ext>
+            </a:extLst>
+          </p:cNvPr>
+          <p:cNvPicPr>
+            <a:picLocks noGrp="1" noChangeAspect="1"/>
+          </p:cNvPicPr>
           <p:nvPr>
-            <p:ph type="body" sz="half" idx="2"/>
+            <p:ph sz="quarter" idx="4"/>
           </p:nvPr>
-        </p:nvSpPr>
-        <p:spPr/>
-        <p:txBody>
-          <a:bodyPr/>
-          <a:lstStyle/>
-          <a:p>
-            <a:endParaRPr lang="en-US" dirty="0"/>
-          </a:p>
-        </p:txBody>
-      </p:sp>
+        </p:nvPicPr>
+        <p:blipFill>
+          <a:blip r:embed="rId3">
+            <a:extLst>
+              <a:ext uri="{28A0092B-C50C-407E-A947-70E740481C1C}">
+                <a14:useLocalDpi xmlns:a14="http://schemas.microsoft.com/office/drawing/2010/main" val="0"/>
+              </a:ext>
+            </a:extLst>
+          </a:blip>
+          <a:stretch>
+            <a:fillRect/>
+          </a:stretch>
+        </p:blipFill>
+        <p:spPr>
+          <a:xfrm>
+            <a:off x="6096000" y="2209800"/>
+            <a:ext cx="5562600" cy="3733800"/>
+          </a:xfrm>
+        </p:spPr>
+      </p:pic>
     </p:spTree>
     <p:extLst>
       <p:ext uri="{BB962C8B-B14F-4D97-AF65-F5344CB8AC3E}">

--- a/T-Health.ProjectPresentation.pptx
+++ b/T-Health.ProjectPresentation.pptx
@@ -5,10 +5,10 @@
     <p:sldMasterId id="2147483648" r:id="rId1"/>
   </p:sldMasterIdLst>
   <p:notesMasterIdLst>
-    <p:notesMasterId r:id="rId12"/>
+    <p:notesMasterId r:id="rId13"/>
   </p:notesMasterIdLst>
   <p:handoutMasterIdLst>
-    <p:handoutMasterId r:id="rId13"/>
+    <p:handoutMasterId r:id="rId14"/>
   </p:handoutMasterIdLst>
   <p:sldIdLst>
     <p:sldId id="256" r:id="rId2"/>
@@ -20,7 +20,8 @@
     <p:sldId id="262" r:id="rId8"/>
     <p:sldId id="265" r:id="rId9"/>
     <p:sldId id="266" r:id="rId10"/>
-    <p:sldId id="267" r:id="rId11"/>
+    <p:sldId id="268" r:id="rId11"/>
+    <p:sldId id="267" r:id="rId12"/>
   </p:sldIdLst>
   <p:sldSz cx="12192000" cy="6858000"/>
   <p:notesSz cx="6858000" cy="9144000"/>
@@ -6784,6 +6785,192 @@
       </p:grpSpPr>
       <p:sp>
         <p:nvSpPr>
+          <p:cNvPr id="7" name="Title 6">
+            <a:extLst>
+              <a:ext uri="{FF2B5EF4-FFF2-40B4-BE49-F238E27FC236}">
+                <a16:creationId xmlns:a16="http://schemas.microsoft.com/office/drawing/2014/main" id="{2422EEED-563F-411B-B8C5-0F975470EAB0}"/>
+              </a:ext>
+            </a:extLst>
+          </p:cNvPr>
+          <p:cNvSpPr>
+            <a:spLocks noGrp="1"/>
+          </p:cNvSpPr>
+          <p:nvPr>
+            <p:ph type="title"/>
+          </p:nvPr>
+        </p:nvSpPr>
+        <p:spPr/>
+        <p:txBody>
+          <a:bodyPr/>
+          <a:lstStyle/>
+          <a:p>
+            <a:r>
+              <a:rPr lang="en-US" dirty="0"/>
+              <a:t>Future Extensions</a:t>
+            </a:r>
+          </a:p>
+        </p:txBody>
+      </p:sp>
+      <p:sp>
+        <p:nvSpPr>
+          <p:cNvPr id="8" name="Content Placeholder 7">
+            <a:extLst>
+              <a:ext uri="{FF2B5EF4-FFF2-40B4-BE49-F238E27FC236}">
+                <a16:creationId xmlns:a16="http://schemas.microsoft.com/office/drawing/2014/main" id="{F84A3C86-FDA2-4B2C-B440-0741FE11DBEE}"/>
+              </a:ext>
+            </a:extLst>
+          </p:cNvPr>
+          <p:cNvSpPr>
+            <a:spLocks noGrp="1"/>
+          </p:cNvSpPr>
+          <p:nvPr>
+            <p:ph idx="1"/>
+          </p:nvPr>
+        </p:nvSpPr>
+        <p:spPr/>
+        <p:txBody>
+          <a:bodyPr/>
+          <a:lstStyle/>
+          <a:p>
+            <a:pPr>
+              <a:lnSpc>
+                <a:spcPct val="150000"/>
+              </a:lnSpc>
+              <a:buFont typeface="Wingdings" panose="05000000000000000000" pitchFamily="2" charset="2"/>
+              <a:buChar char="q"/>
+            </a:pPr>
+            <a:r>
+              <a:rPr lang="en-US" dirty="0"/>
+              <a:t> </a:t>
+            </a:r>
+            <a:r>
+              <a:rPr lang="en-GB" dirty="0">
+                <a:solidFill>
+                  <a:srgbClr val="0070C0"/>
+                </a:solidFill>
+              </a:rPr>
+              <a:t> </a:t>
+            </a:r>
+            <a:r>
+              <a:rPr lang="en-GB" dirty="0"/>
+              <a:t>Statistics  </a:t>
+            </a:r>
+            <a:r>
+              <a:rPr lang="en-US" dirty="0"/>
+              <a:t> </a:t>
+            </a:r>
+          </a:p>
+          <a:p>
+            <a:pPr>
+              <a:lnSpc>
+                <a:spcPct val="150000"/>
+              </a:lnSpc>
+              <a:buFont typeface="Wingdings" panose="05000000000000000000" pitchFamily="2" charset="2"/>
+              <a:buChar char="q"/>
+            </a:pPr>
+            <a:r>
+              <a:rPr lang="en-US" dirty="0"/>
+              <a:t> Mobile apps </a:t>
+            </a:r>
+          </a:p>
+          <a:p>
+            <a:pPr>
+              <a:lnSpc>
+                <a:spcPct val="150000"/>
+              </a:lnSpc>
+              <a:buFont typeface="Wingdings" panose="05000000000000000000" pitchFamily="2" charset="2"/>
+              <a:buChar char="q"/>
+            </a:pPr>
+            <a:r>
+              <a:rPr lang="en-US" dirty="0"/>
+              <a:t> Retrieving records</a:t>
+            </a:r>
+          </a:p>
+          <a:p>
+            <a:pPr>
+              <a:lnSpc>
+                <a:spcPct val="150000"/>
+              </a:lnSpc>
+              <a:buFont typeface="Wingdings" panose="05000000000000000000" pitchFamily="2" charset="2"/>
+              <a:buChar char="q"/>
+            </a:pPr>
+            <a:r>
+              <a:rPr lang="en-US" dirty="0"/>
+              <a:t>Making this system available for all MUM members </a:t>
+            </a:r>
+          </a:p>
+          <a:p>
+            <a:pPr>
+              <a:lnSpc>
+                <a:spcPct val="150000"/>
+              </a:lnSpc>
+              <a:buFont typeface="Wingdings" panose="05000000000000000000" pitchFamily="2" charset="2"/>
+              <a:buChar char="q"/>
+            </a:pPr>
+            <a:r>
+              <a:rPr lang="en-US" dirty="0"/>
+              <a:t>Referrals </a:t>
+            </a:r>
+          </a:p>
+          <a:p>
+            <a:pPr marL="0" indent="0">
+              <a:buNone/>
+            </a:pPr>
+            <a:endParaRPr lang="en-US" dirty="0"/>
+          </a:p>
+          <a:p>
+            <a:pPr>
+              <a:buFont typeface="Wingdings" panose="05000000000000000000" pitchFamily="2" charset="2"/>
+              <a:buChar char="q"/>
+            </a:pPr>
+            <a:endParaRPr lang="en-US" dirty="0"/>
+          </a:p>
+        </p:txBody>
+      </p:sp>
+    </p:spTree>
+    <p:extLst>
+      <p:ext uri="{BB962C8B-B14F-4D97-AF65-F5344CB8AC3E}">
+        <p14:creationId xmlns:p14="http://schemas.microsoft.com/office/powerpoint/2010/main" val="3672206210"/>
+      </p:ext>
+    </p:extLst>
+  </p:cSld>
+  <p:clrMapOvr>
+    <a:masterClrMapping/>
+  </p:clrMapOvr>
+  <mc:AlternateContent xmlns:mc="http://schemas.openxmlformats.org/markup-compatibility/2006" xmlns:p14="http://schemas.microsoft.com/office/powerpoint/2010/main">
+    <mc:Choice Requires="p14">
+      <p:transition spd="med" p14:dur="700">
+        <p:fade/>
+      </p:transition>
+    </mc:Choice>
+    <mc:Fallback xmlns="">
+      <p:transition spd="med">
+        <p:fade/>
+      </p:transition>
+    </mc:Fallback>
+  </mc:AlternateContent>
+</p:sld>
+</file>
+
+<file path=ppt/slides/slide11.xml><?xml version="1.0" encoding="utf-8"?>
+<p:sld xmlns:a="http://schemas.openxmlformats.org/drawingml/2006/main" xmlns:r="http://schemas.openxmlformats.org/officeDocument/2006/relationships" xmlns:p="http://schemas.openxmlformats.org/presentationml/2006/main">
+  <p:cSld>
+    <p:spTree>
+      <p:nvGrpSpPr>
+        <p:cNvPr id="1" name=""/>
+        <p:cNvGrpSpPr/>
+        <p:nvPr/>
+      </p:nvGrpSpPr>
+      <p:grpSpPr>
+        <a:xfrm>
+          <a:off x="0" y="0"/>
+          <a:ext cx="0" cy="0"/>
+          <a:chOff x="0" y="0"/>
+          <a:chExt cx="0" cy="0"/>
+        </a:xfrm>
+      </p:grpSpPr>
+      <p:sp>
+        <p:nvSpPr>
           <p:cNvPr id="6" name="Title 5">
             <a:extLst>
               <a:ext uri="{FF2B5EF4-FFF2-40B4-BE49-F238E27FC236}">
@@ -9224,36 +9411,6 @@
           <a:noFill/>
         </p:spPr>
       </p:pic>
-      <p:sp>
-        <p:nvSpPr>
-          <p:cNvPr id="14" name="Text Placeholder 3">
-            <a:extLst>
-              <a:ext uri="{FF2B5EF4-FFF2-40B4-BE49-F238E27FC236}">
-                <a16:creationId xmlns:a16="http://schemas.microsoft.com/office/drawing/2014/main" id="{EC33CF21-78CC-4F90-A3A6-BC481AE925F0}"/>
-              </a:ext>
-            </a:extLst>
-          </p:cNvPr>
-          <p:cNvSpPr>
-            <a:spLocks noGrp="1"/>
-          </p:cNvSpPr>
-          <p:nvPr>
-            <p:ph type="body" sz="half" idx="2"/>
-          </p:nvPr>
-        </p:nvSpPr>
-        <p:spPr>
-          <a:xfrm>
-            <a:off x="7635240" y="5029200"/>
-            <a:ext cx="3932237" cy="1374648"/>
-          </a:xfrm>
-        </p:spPr>
-        <p:txBody>
-          <a:bodyPr/>
-          <a:lstStyle/>
-          <a:p>
-            <a:endParaRPr lang="en-US" dirty="0"/>
-          </a:p>
-        </p:txBody>
-      </p:sp>
     </p:spTree>
     <p:extLst>
       <p:ext uri="{BB962C8B-B14F-4D97-AF65-F5344CB8AC3E}">
@@ -9436,25 +9593,6 @@
           </a:xfrm>
         </p:spPr>
       </p:pic>
-      <p:sp>
-        <p:nvSpPr>
-          <p:cNvPr id="4" name="Text Placeholder 3"/>
-          <p:cNvSpPr>
-            <a:spLocks noGrp="1"/>
-          </p:cNvSpPr>
-          <p:nvPr>
-            <p:ph type="body" sz="half" idx="2"/>
-          </p:nvPr>
-        </p:nvSpPr>
-        <p:spPr/>
-        <p:txBody>
-          <a:bodyPr/>
-          <a:lstStyle/>
-          <a:p>
-            <a:endParaRPr lang="en-US"/>
-          </a:p>
-        </p:txBody>
-      </p:sp>
     </p:spTree>
     <p:extLst>
       <p:ext uri="{BB962C8B-B14F-4D97-AF65-F5344CB8AC3E}">
@@ -9907,10 +10045,10 @@
       </p:pic>
       <p:pic>
         <p:nvPicPr>
-          <p:cNvPr id="12" name="Content Placeholder 11" descr="A screenshot of a social media post&#10;&#10;Description automatically generated">
+          <p:cNvPr id="7" name="Content Placeholder 6" descr="A screenshot of a cell phone&#10;&#10;Description automatically generated">
             <a:extLst>
               <a:ext uri="{FF2B5EF4-FFF2-40B4-BE49-F238E27FC236}">
-                <a16:creationId xmlns:a16="http://schemas.microsoft.com/office/drawing/2014/main" id="{F86E3532-5882-4D65-858E-40F7E4E66C0C}"/>
+                <a16:creationId xmlns:a16="http://schemas.microsoft.com/office/drawing/2014/main" id="{FD6331A0-63D2-40F3-A656-9DE5FD4F351C}"/>
               </a:ext>
             </a:extLst>
           </p:cNvPr>
@@ -9935,8 +10073,8 @@
         </p:blipFill>
         <p:spPr>
           <a:xfrm>
-            <a:off x="6096000" y="2209800"/>
-            <a:ext cx="5562600" cy="3733800"/>
+            <a:off x="6019800" y="2133600"/>
+            <a:ext cx="5562600" cy="3810000"/>
           </a:xfrm>
         </p:spPr>
       </p:pic>

--- a/T-Health.ProjectPresentation.pptx
+++ b/T-Health.ProjectPresentation.pptx
@@ -5,10 +5,10 @@
     <p:sldMasterId id="2147483648" r:id="rId1"/>
   </p:sldMasterIdLst>
   <p:notesMasterIdLst>
-    <p:notesMasterId r:id="rId13"/>
+    <p:notesMasterId r:id="rId15"/>
   </p:notesMasterIdLst>
   <p:handoutMasterIdLst>
-    <p:handoutMasterId r:id="rId14"/>
+    <p:handoutMasterId r:id="rId16"/>
   </p:handoutMasterIdLst>
   <p:sldIdLst>
     <p:sldId id="256" r:id="rId2"/>
@@ -17,11 +17,13 @@
     <p:sldId id="260" r:id="rId5"/>
     <p:sldId id="259" r:id="rId6"/>
     <p:sldId id="261" r:id="rId7"/>
-    <p:sldId id="262" r:id="rId8"/>
-    <p:sldId id="265" r:id="rId9"/>
-    <p:sldId id="266" r:id="rId10"/>
-    <p:sldId id="268" r:id="rId11"/>
-    <p:sldId id="267" r:id="rId12"/>
+    <p:sldId id="269" r:id="rId8"/>
+    <p:sldId id="262" r:id="rId9"/>
+    <p:sldId id="265" r:id="rId10"/>
+    <p:sldId id="266" r:id="rId11"/>
+    <p:sldId id="270" r:id="rId12"/>
+    <p:sldId id="268" r:id="rId13"/>
+    <p:sldId id="267" r:id="rId14"/>
   </p:sldIdLst>
   <p:sldSz cx="12192000" cy="6858000"/>
   <p:notesSz cx="6858000" cy="9144000"/>
@@ -2859,7 +2861,7 @@
           <a:p>
             <a:fld id="{043B725B-653D-4166-A8E9-72A38A1847CF}" type="datetimeFigureOut">
               <a:rPr lang="en-US"/>
-              <a:t>11/20/2019</a:t>
+              <a:t>11/21/2019</a:t>
             </a:fld>
             <a:endParaRPr/>
           </a:p>
@@ -6769,6 +6771,424 @@
 <file path=ppt/slides/slide10.xml><?xml version="1.0" encoding="utf-8"?>
 <p:sld xmlns:a="http://schemas.openxmlformats.org/drawingml/2006/main" xmlns:r="http://schemas.openxmlformats.org/officeDocument/2006/relationships" xmlns:p="http://schemas.openxmlformats.org/presentationml/2006/main">
   <p:cSld>
+    <p:bg>
+      <p:bgPr>
+        <a:gradFill flip="none" rotWithShape="1">
+          <a:gsLst>
+            <a:gs pos="0">
+              <a:srgbClr val="D9D9D9"/>
+            </a:gs>
+            <a:gs pos="100000">
+              <a:schemeClr val="bg1"/>
+            </a:gs>
+          </a:gsLst>
+          <a:lin ang="16200000" scaled="1"/>
+          <a:tileRect/>
+        </a:gradFill>
+        <a:effectLst/>
+      </p:bgPr>
+    </p:bg>
+    <p:spTree>
+      <p:nvGrpSpPr>
+        <p:cNvPr id="1" name=""/>
+        <p:cNvGrpSpPr/>
+        <p:nvPr/>
+      </p:nvGrpSpPr>
+      <p:grpSpPr>
+        <a:xfrm>
+          <a:off x="0" y="0"/>
+          <a:ext cx="0" cy="0"/>
+          <a:chOff x="0" y="0"/>
+          <a:chExt cx="0" cy="0"/>
+        </a:xfrm>
+      </p:grpSpPr>
+      <p:sp>
+        <p:nvSpPr>
+          <p:cNvPr id="2" name="Title 1"/>
+          <p:cNvSpPr>
+            <a:spLocks noGrp="1"/>
+          </p:cNvSpPr>
+          <p:nvPr>
+            <p:ph type="title"/>
+          </p:nvPr>
+        </p:nvSpPr>
+        <p:spPr>
+          <a:prstGeom prst="rect">
+            <a:avLst/>
+          </a:prstGeom>
+        </p:spPr>
+        <p:txBody>
+          <a:bodyPr anchor="ctr">
+            <a:normAutofit/>
+          </a:bodyPr>
+          <a:lstStyle/>
+          <a:p>
+            <a:r>
+              <a:rPr lang="en-US" dirty="0"/>
+              <a:t>Prototype</a:t>
+            </a:r>
+          </a:p>
+        </p:txBody>
+      </p:sp>
+      <p:pic>
+        <p:nvPicPr>
+          <p:cNvPr id="6" name="Picture Placeholder 5" descr="A screenshot of a person&#10;&#10;Description automatically generated">
+            <a:extLst>
+              <a:ext uri="{FF2B5EF4-FFF2-40B4-BE49-F238E27FC236}">
+                <a16:creationId xmlns:a16="http://schemas.microsoft.com/office/drawing/2014/main" id="{FD0D2C1A-2377-498A-9D6C-FFABF2B227B0}"/>
+              </a:ext>
+            </a:extLst>
+          </p:cNvPr>
+          <p:cNvPicPr>
+            <a:picLocks noGrp="1" noChangeAspect="1"/>
+          </p:cNvPicPr>
+          <p:nvPr>
+            <p:ph sz="half" idx="2"/>
+          </p:nvPr>
+        </p:nvPicPr>
+        <p:blipFill rotWithShape="1">
+          <a:blip r:embed="rId2">
+            <a:extLst>
+              <a:ext uri="{28A0092B-C50C-407E-A947-70E740481C1C}">
+                <a14:useLocalDpi xmlns:a14="http://schemas.microsoft.com/office/drawing/2010/main" val="0"/>
+              </a:ext>
+            </a:extLst>
+          </a:blip>
+          <a:stretch/>
+        </p:blipFill>
+        <p:spPr>
+          <a:xfrm>
+            <a:off x="76200" y="2057400"/>
+            <a:ext cx="5714999" cy="3886200"/>
+          </a:xfrm>
+          <a:prstGeom prst="rect">
+            <a:avLst/>
+          </a:prstGeom>
+          <a:noFill/>
+        </p:spPr>
+      </p:pic>
+      <p:pic>
+        <p:nvPicPr>
+          <p:cNvPr id="7" name="Content Placeholder 6" descr="A screenshot of a cell phone&#10;&#10;Description automatically generated">
+            <a:extLst>
+              <a:ext uri="{FF2B5EF4-FFF2-40B4-BE49-F238E27FC236}">
+                <a16:creationId xmlns:a16="http://schemas.microsoft.com/office/drawing/2014/main" id="{FD6331A0-63D2-40F3-A656-9DE5FD4F351C}"/>
+              </a:ext>
+            </a:extLst>
+          </p:cNvPr>
+          <p:cNvPicPr>
+            <a:picLocks noGrp="1" noChangeAspect="1"/>
+          </p:cNvPicPr>
+          <p:nvPr>
+            <p:ph sz="quarter" idx="4"/>
+          </p:nvPr>
+        </p:nvPicPr>
+        <p:blipFill>
+          <a:blip r:embed="rId3">
+            <a:extLst>
+              <a:ext uri="{28A0092B-C50C-407E-A947-70E740481C1C}">
+                <a14:useLocalDpi xmlns:a14="http://schemas.microsoft.com/office/drawing/2010/main" val="0"/>
+              </a:ext>
+            </a:extLst>
+          </a:blip>
+          <a:stretch>
+            <a:fillRect/>
+          </a:stretch>
+        </p:blipFill>
+        <p:spPr>
+          <a:xfrm>
+            <a:off x="6019800" y="2133600"/>
+            <a:ext cx="5562600" cy="3810000"/>
+          </a:xfrm>
+        </p:spPr>
+      </p:pic>
+    </p:spTree>
+    <p:extLst>
+      <p:ext uri="{BB962C8B-B14F-4D97-AF65-F5344CB8AC3E}">
+        <p14:creationId xmlns:p14="http://schemas.microsoft.com/office/powerpoint/2010/main" val="3049232890"/>
+      </p:ext>
+    </p:extLst>
+  </p:cSld>
+  <p:clrMapOvr>
+    <a:masterClrMapping/>
+  </p:clrMapOvr>
+  <mc:AlternateContent xmlns:mc="http://schemas.openxmlformats.org/markup-compatibility/2006" xmlns:p14="http://schemas.microsoft.com/office/powerpoint/2010/main">
+    <mc:Choice Requires="p14">
+      <p:transition spd="med" p14:dur="700">
+        <p:fade/>
+      </p:transition>
+    </mc:Choice>
+    <mc:Fallback xmlns="">
+      <p:transition spd="med">
+        <p:fade/>
+      </p:transition>
+    </mc:Fallback>
+  </mc:AlternateContent>
+</p:sld>
+</file>
+
+<file path=ppt/slides/slide11.xml><?xml version="1.0" encoding="utf-8"?>
+<p:sld xmlns:a="http://schemas.openxmlformats.org/drawingml/2006/main" xmlns:r="http://schemas.openxmlformats.org/officeDocument/2006/relationships" xmlns:p="http://schemas.openxmlformats.org/presentationml/2006/main">
+  <p:cSld>
+    <p:spTree>
+      <p:nvGrpSpPr>
+        <p:cNvPr id="1" name=""/>
+        <p:cNvGrpSpPr/>
+        <p:nvPr/>
+      </p:nvGrpSpPr>
+      <p:grpSpPr>
+        <a:xfrm>
+          <a:off x="0" y="0"/>
+          <a:ext cx="0" cy="0"/>
+          <a:chOff x="0" y="0"/>
+          <a:chExt cx="0" cy="0"/>
+        </a:xfrm>
+      </p:grpSpPr>
+      <p:sp>
+        <p:nvSpPr>
+          <p:cNvPr id="2" name="Title 1">
+            <a:extLst>
+              <a:ext uri="{FF2B5EF4-FFF2-40B4-BE49-F238E27FC236}">
+                <a16:creationId xmlns:a16="http://schemas.microsoft.com/office/drawing/2014/main" id="{0143F2CD-8C51-40FB-B628-0AAD1FE51ACC}"/>
+              </a:ext>
+            </a:extLst>
+          </p:cNvPr>
+          <p:cNvSpPr>
+            <a:spLocks noGrp="1"/>
+          </p:cNvSpPr>
+          <p:nvPr>
+            <p:ph type="title"/>
+          </p:nvPr>
+        </p:nvSpPr>
+        <p:spPr/>
+        <p:txBody>
+          <a:bodyPr/>
+          <a:lstStyle/>
+          <a:p>
+            <a:r>
+              <a:rPr lang="en-US" b="1" dirty="0"/>
+              <a:t>Back of the Envelope Calculation </a:t>
+            </a:r>
+            <a:br>
+              <a:rPr lang="en-US" b="1" dirty="0"/>
+            </a:br>
+            <a:endParaRPr lang="en-US" dirty="0"/>
+          </a:p>
+        </p:txBody>
+      </p:sp>
+      <p:sp>
+        <p:nvSpPr>
+          <p:cNvPr id="7" name="Content Placeholder 6">
+            <a:extLst>
+              <a:ext uri="{FF2B5EF4-FFF2-40B4-BE49-F238E27FC236}">
+                <a16:creationId xmlns:a16="http://schemas.microsoft.com/office/drawing/2014/main" id="{2912ABC2-93A0-4391-BBE8-F6E6437380EE}"/>
+              </a:ext>
+            </a:extLst>
+          </p:cNvPr>
+          <p:cNvSpPr>
+            <a:spLocks noGrp="1"/>
+          </p:cNvSpPr>
+          <p:nvPr>
+            <p:ph idx="1"/>
+          </p:nvPr>
+        </p:nvSpPr>
+        <p:spPr>
+          <a:xfrm>
+            <a:off x="1143000" y="1752600"/>
+            <a:ext cx="10210800" cy="5006180"/>
+          </a:xfrm>
+        </p:spPr>
+        <p:txBody>
+          <a:bodyPr>
+            <a:normAutofit fontScale="47500" lnSpcReduction="20000"/>
+          </a:bodyPr>
+          <a:lstStyle/>
+          <a:p>
+            <a:pPr lvl="0"/>
+            <a:r>
+              <a:rPr lang="en-US" sz="2600" b="1" dirty="0"/>
+              <a:t>Targeted number of users : 10 ,000</a:t>
+            </a:r>
+          </a:p>
+          <a:p>
+            <a:pPr lvl="0"/>
+            <a:r>
+              <a:rPr lang="en-US" sz="2600" b="1" dirty="0"/>
+              <a:t>Targeted Geographical location of users : Fairfield, United States of America</a:t>
+            </a:r>
+          </a:p>
+          <a:p>
+            <a:pPr lvl="0"/>
+            <a:r>
+              <a:rPr lang="en-US" sz="2600" b="1" dirty="0"/>
+              <a:t>Manpower skillset required</a:t>
+            </a:r>
+          </a:p>
+          <a:p>
+            <a:pPr lvl="1"/>
+            <a:r>
+              <a:rPr lang="en-US" sz="2600" b="1" dirty="0"/>
+              <a:t>1 front end</a:t>
+            </a:r>
+          </a:p>
+          <a:p>
+            <a:pPr lvl="1"/>
+            <a:r>
+              <a:rPr lang="en-US" sz="2600" b="1" dirty="0"/>
+              <a:t>1 backend</a:t>
+            </a:r>
+          </a:p>
+          <a:p>
+            <a:pPr lvl="1"/>
+            <a:r>
+              <a:rPr lang="en-US" sz="2600" b="1" dirty="0"/>
+              <a:t>1 </a:t>
+            </a:r>
+            <a:r>
+              <a:rPr lang="en-US" sz="2600" b="1" dirty="0" err="1"/>
+              <a:t>devops</a:t>
+            </a:r>
+            <a:r>
+              <a:rPr lang="en-US" sz="2600" b="1" dirty="0"/>
+              <a:t> </a:t>
+            </a:r>
+          </a:p>
+          <a:p>
+            <a:pPr lvl="1"/>
+            <a:r>
+              <a:rPr lang="en-US" sz="2600" b="1" dirty="0"/>
+              <a:t>1 system analyst</a:t>
+            </a:r>
+          </a:p>
+          <a:p>
+            <a:pPr lvl="1"/>
+            <a:r>
+              <a:rPr lang="en-US" sz="2600" b="1" dirty="0"/>
+              <a:t>1 quality Assurance</a:t>
+            </a:r>
+          </a:p>
+          <a:p>
+            <a:pPr lvl="0"/>
+            <a:r>
+              <a:rPr lang="en-US" sz="2600" b="1" dirty="0"/>
+              <a:t>Development time span: 2 days </a:t>
+            </a:r>
+          </a:p>
+          <a:p>
+            <a:pPr lvl="0"/>
+            <a:r>
+              <a:rPr lang="en-US" sz="2600" b="1" dirty="0"/>
+              <a:t>Memory allocation </a:t>
+            </a:r>
+          </a:p>
+          <a:p>
+            <a:pPr lvl="1"/>
+            <a:r>
+              <a:rPr lang="en-US" sz="2600" b="1" dirty="0"/>
+              <a:t>Patient record Storage: 5MB</a:t>
+            </a:r>
+          </a:p>
+          <a:p>
+            <a:pPr lvl="1"/>
+            <a:r>
+              <a:rPr lang="en-US" sz="2600" b="1" dirty="0"/>
+              <a:t>System Minimum Storage (User storage (5MB) * targeted users (10,000)): 50GB</a:t>
+            </a:r>
+          </a:p>
+          <a:p>
+            <a:pPr lvl="0"/>
+            <a:r>
+              <a:rPr lang="en-US" sz="2600" b="1" dirty="0"/>
+              <a:t>Users peak time: 8:00AM - 4:30 PM</a:t>
+            </a:r>
+          </a:p>
+          <a:p>
+            <a:pPr lvl="0"/>
+            <a:r>
+              <a:rPr lang="en-US" sz="2600" b="1" dirty="0"/>
+              <a:t>Platform targeted: Web</a:t>
+            </a:r>
+          </a:p>
+          <a:p>
+            <a:pPr lvl="0"/>
+            <a:r>
+              <a:rPr lang="en-US" sz="2600" b="1" dirty="0"/>
+              <a:t>Scalability plans: </a:t>
+            </a:r>
+          </a:p>
+          <a:p>
+            <a:pPr lvl="1"/>
+            <a:r>
+              <a:rPr lang="en-US" sz="2600" b="1" dirty="0"/>
+              <a:t>Moving from ORM database system (</a:t>
+            </a:r>
+            <a:r>
+              <a:rPr lang="en-US" sz="2600" b="1" dirty="0" err="1"/>
+              <a:t>Mysql</a:t>
+            </a:r>
+            <a:r>
+              <a:rPr lang="en-US" sz="2600" b="1" dirty="0"/>
+              <a:t>) to </a:t>
+            </a:r>
+            <a:r>
+              <a:rPr lang="en-US" sz="2600" b="1" dirty="0" err="1"/>
+              <a:t>NoSql</a:t>
+            </a:r>
+            <a:r>
+              <a:rPr lang="en-US" sz="2600" b="1" dirty="0"/>
+              <a:t> (SQL Graph)</a:t>
+            </a:r>
+          </a:p>
+          <a:p>
+            <a:pPr lvl="1"/>
+            <a:r>
+              <a:rPr lang="en-US" sz="2600" b="1" dirty="0"/>
+              <a:t>Deployment of more servers</a:t>
+            </a:r>
+          </a:p>
+          <a:p>
+            <a:pPr lvl="0"/>
+            <a:r>
+              <a:rPr lang="en-US" sz="2600" b="1" dirty="0"/>
+              <a:t>CAP Theorem Compliance: Consistence and Availability</a:t>
+            </a:r>
+          </a:p>
+          <a:p>
+            <a:pPr marL="0" indent="0">
+              <a:buNone/>
+            </a:pPr>
+            <a:endParaRPr lang="en-US" dirty="0"/>
+          </a:p>
+        </p:txBody>
+      </p:sp>
+    </p:spTree>
+    <p:extLst>
+      <p:ext uri="{BB962C8B-B14F-4D97-AF65-F5344CB8AC3E}">
+        <p14:creationId xmlns:p14="http://schemas.microsoft.com/office/powerpoint/2010/main" val="1576842249"/>
+      </p:ext>
+    </p:extLst>
+  </p:cSld>
+  <p:clrMapOvr>
+    <a:masterClrMapping/>
+  </p:clrMapOvr>
+  <mc:AlternateContent xmlns:mc="http://schemas.openxmlformats.org/markup-compatibility/2006" xmlns:p14="http://schemas.microsoft.com/office/powerpoint/2010/main">
+    <mc:Choice Requires="p14">
+      <p:transition spd="med" p14:dur="700">
+        <p:fade/>
+      </p:transition>
+    </mc:Choice>
+    <mc:Fallback xmlns="">
+      <p:transition spd="med">
+        <p:fade/>
+      </p:transition>
+    </mc:Fallback>
+  </mc:AlternateContent>
+</p:sld>
+</file>
+
+<file path=ppt/slides/slide12.xml><?xml version="1.0" encoding="utf-8"?>
+<p:sld xmlns:a="http://schemas.openxmlformats.org/drawingml/2006/main" xmlns:r="http://schemas.openxmlformats.org/officeDocument/2006/relationships" xmlns:p="http://schemas.openxmlformats.org/presentationml/2006/main">
+  <p:cSld>
     <p:spTree>
       <p:nvGrpSpPr>
         <p:cNvPr id="1" name=""/>
@@ -6952,7 +7372,7 @@
 </p:sld>
 </file>
 
-<file path=ppt/slides/slide11.xml><?xml version="1.0" encoding="utf-8"?>
+<file path=ppt/slides/slide13.xml><?xml version="1.0" encoding="utf-8"?>
 <p:sld xmlns:a="http://schemas.openxmlformats.org/drawingml/2006/main" xmlns:r="http://schemas.openxmlformats.org/officeDocument/2006/relationships" xmlns:p="http://schemas.openxmlformats.org/presentationml/2006/main">
   <p:cSld>
     <p:spTree>
@@ -9311,6 +9731,113 @@
 <file path=ppt/slides/slide7.xml><?xml version="1.0" encoding="utf-8"?>
 <p:sld xmlns:a="http://schemas.openxmlformats.org/drawingml/2006/main" xmlns:r="http://schemas.openxmlformats.org/officeDocument/2006/relationships" xmlns:p="http://schemas.openxmlformats.org/presentationml/2006/main">
   <p:cSld>
+    <p:spTree>
+      <p:nvGrpSpPr>
+        <p:cNvPr id="1" name=""/>
+        <p:cNvGrpSpPr/>
+        <p:nvPr/>
+      </p:nvGrpSpPr>
+      <p:grpSpPr>
+        <a:xfrm>
+          <a:off x="0" y="0"/>
+          <a:ext cx="0" cy="0"/>
+          <a:chOff x="0" y="0"/>
+          <a:chExt cx="0" cy="0"/>
+        </a:xfrm>
+      </p:grpSpPr>
+      <p:sp>
+        <p:nvSpPr>
+          <p:cNvPr id="2" name="Title 1">
+            <a:extLst>
+              <a:ext uri="{FF2B5EF4-FFF2-40B4-BE49-F238E27FC236}">
+                <a16:creationId xmlns:a16="http://schemas.microsoft.com/office/drawing/2014/main" id="{62D0B96B-F203-42FD-B88C-B7D70DD71A80}"/>
+              </a:ext>
+            </a:extLst>
+          </p:cNvPr>
+          <p:cNvSpPr>
+            <a:spLocks noGrp="1"/>
+          </p:cNvSpPr>
+          <p:nvPr>
+            <p:ph type="title"/>
+          </p:nvPr>
+        </p:nvSpPr>
+        <p:spPr/>
+        <p:txBody>
+          <a:bodyPr>
+            <a:normAutofit/>
+          </a:bodyPr>
+          <a:lstStyle/>
+          <a:p>
+            <a:r>
+              <a:rPr lang="en-US" sz="4800" dirty="0"/>
+              <a:t>Software Architecture </a:t>
+            </a:r>
+          </a:p>
+        </p:txBody>
+      </p:sp>
+      <p:pic>
+        <p:nvPicPr>
+          <p:cNvPr id="6" name="Content Placeholder 5" descr="A screenshot of a cell phone&#10;&#10;Description automatically generated">
+            <a:extLst>
+              <a:ext uri="{FF2B5EF4-FFF2-40B4-BE49-F238E27FC236}">
+                <a16:creationId xmlns:a16="http://schemas.microsoft.com/office/drawing/2014/main" id="{3DE07A00-5F06-4BFC-9985-B5E489D64DD3}"/>
+              </a:ext>
+            </a:extLst>
+          </p:cNvPr>
+          <p:cNvPicPr>
+            <a:picLocks noGrp="1" noChangeAspect="1"/>
+          </p:cNvPicPr>
+          <p:nvPr>
+            <p:ph idx="1"/>
+          </p:nvPr>
+        </p:nvPicPr>
+        <p:blipFill>
+          <a:blip r:embed="rId2">
+            <a:extLst>
+              <a:ext uri="{28A0092B-C50C-407E-A947-70E740481C1C}">
+                <a14:useLocalDpi xmlns:a14="http://schemas.microsoft.com/office/drawing/2010/main" val="0"/>
+              </a:ext>
+            </a:extLst>
+          </a:blip>
+          <a:stretch>
+            <a:fillRect/>
+          </a:stretch>
+        </p:blipFill>
+        <p:spPr>
+          <a:xfrm>
+            <a:off x="304800" y="838200"/>
+            <a:ext cx="6366642" cy="5430371"/>
+          </a:xfrm>
+        </p:spPr>
+      </p:pic>
+    </p:spTree>
+    <p:extLst>
+      <p:ext uri="{BB962C8B-B14F-4D97-AF65-F5344CB8AC3E}">
+        <p14:creationId xmlns:p14="http://schemas.microsoft.com/office/powerpoint/2010/main" val="835246683"/>
+      </p:ext>
+    </p:extLst>
+  </p:cSld>
+  <p:clrMapOvr>
+    <a:masterClrMapping/>
+  </p:clrMapOvr>
+  <mc:AlternateContent xmlns:mc="http://schemas.openxmlformats.org/markup-compatibility/2006" xmlns:p14="http://schemas.microsoft.com/office/powerpoint/2010/main">
+    <mc:Choice Requires="p14">
+      <p:transition spd="med" p14:dur="700">
+        <p:fade/>
+      </p:transition>
+    </mc:Choice>
+    <mc:Fallback xmlns="">
+      <p:transition spd="med">
+        <p:fade/>
+      </p:transition>
+    </mc:Fallback>
+  </mc:AlternateContent>
+</p:sld>
+</file>
+
+<file path=ppt/slides/slide8.xml><?xml version="1.0" encoding="utf-8"?>
+<p:sld xmlns:a="http://schemas.openxmlformats.org/drawingml/2006/main" xmlns:r="http://schemas.openxmlformats.org/officeDocument/2006/relationships" xmlns:p="http://schemas.openxmlformats.org/presentationml/2006/main">
+  <p:cSld>
     <p:bg>
       <p:bgPr>
         <a:gradFill flip="none" rotWithShape="1">
@@ -9353,10 +9880,6 @@
           </p:nvPr>
         </p:nvSpPr>
         <p:spPr>
-          <a:xfrm>
-            <a:off x="7635240" y="3200400"/>
-            <a:ext cx="3932237" cy="1752600"/>
-          </a:xfrm>
           <a:prstGeom prst="rect">
             <a:avLst/>
           </a:prstGeom>
@@ -9376,10 +9899,10 @@
       </p:sp>
       <p:pic>
         <p:nvPicPr>
-          <p:cNvPr id="9" name="Content Placeholder 8" descr="A close up of a map&#10;&#10;Description automatically generated">
+          <p:cNvPr id="10" name="Picture Placeholder 9" descr="A close up of a map&#10;&#10;Description automatically generated">
             <a:extLst>
               <a:ext uri="{FF2B5EF4-FFF2-40B4-BE49-F238E27FC236}">
-                <a16:creationId xmlns:a16="http://schemas.microsoft.com/office/drawing/2014/main" id="{0EFCEE30-A53F-4CF4-BFF5-0239A8074417}"/>
+                <a16:creationId xmlns:a16="http://schemas.microsoft.com/office/drawing/2014/main" id="{E41F9556-149F-46D3-A114-332638B0B6C2}"/>
               </a:ext>
             </a:extLst>
           </p:cNvPr>
@@ -9387,10 +9910,10 @@
             <a:picLocks noGrp="1" noChangeAspect="1"/>
           </p:cNvPicPr>
           <p:nvPr>
-            <p:ph type="pic" idx="1"/>
+            <p:ph idx="1"/>
           </p:nvPr>
         </p:nvPicPr>
-        <p:blipFill rotWithShape="1">
+        <p:blipFill>
           <a:blip r:embed="rId2">
             <a:extLst>
               <a:ext uri="{28A0092B-C50C-407E-A947-70E740481C1C}">
@@ -9398,17 +9921,15 @@
               </a:ext>
             </a:extLst>
           </a:blip>
-          <a:stretch/>
+          <a:stretch>
+            <a:fillRect/>
+          </a:stretch>
         </p:blipFill>
         <p:spPr>
           <a:xfrm>
-            <a:off x="1" y="609600"/>
-            <a:ext cx="6934199" cy="5486400"/>
+            <a:off x="990600" y="1840032"/>
+            <a:ext cx="10134599" cy="4918747"/>
           </a:xfrm>
-          <a:prstGeom prst="rect">
-            <a:avLst/>
-          </a:prstGeom>
-          <a:noFill/>
         </p:spPr>
       </p:pic>
     </p:spTree>
@@ -9433,93 +9954,10 @@
       </p:transition>
     </mc:Fallback>
   </mc:AlternateContent>
-  <p:timing>
-    <p:tnLst>
-      <p:par>
-        <p:cTn id="1" dur="indefinite" restart="never" nodeType="tmRoot">
-          <p:childTnLst>
-            <p:seq concurrent="1" nextAc="seek">
-              <p:cTn id="2" dur="indefinite" nodeType="mainSeq">
-                <p:childTnLst>
-                  <p:par>
-                    <p:cTn id="3" fill="hold">
-                      <p:stCondLst>
-                        <p:cond delay="indefinite"/>
-                      </p:stCondLst>
-                      <p:childTnLst>
-                        <p:par>
-                          <p:cTn id="4" fill="hold">
-                            <p:stCondLst>
-                              <p:cond delay="0"/>
-                            </p:stCondLst>
-                            <p:childTnLst>
-                              <p:par>
-                                <p:cTn id="5" presetID="21" presetClass="entr" presetSubtype="1" fill="hold" nodeType="clickEffect">
-                                  <p:stCondLst>
-                                    <p:cond delay="0"/>
-                                  </p:stCondLst>
-                                  <p:childTnLst>
-                                    <p:set>
-                                      <p:cBhvr>
-                                        <p:cTn id="6" dur="1" fill="hold">
-                                          <p:stCondLst>
-                                            <p:cond delay="0"/>
-                                          </p:stCondLst>
-                                        </p:cTn>
-                                        <p:tgtEl>
-                                          <p:spTgt spid="9"/>
-                                        </p:tgtEl>
-                                        <p:attrNameLst>
-                                          <p:attrName>style.visibility</p:attrName>
-                                        </p:attrNameLst>
-                                      </p:cBhvr>
-                                      <p:to>
-                                        <p:strVal val="visible"/>
-                                      </p:to>
-                                    </p:set>
-                                    <p:animEffect transition="in" filter="wheel(1)">
-                                      <p:cBhvr>
-                                        <p:cTn id="7" dur="2000"/>
-                                        <p:tgtEl>
-                                          <p:spTgt spid="9"/>
-                                        </p:tgtEl>
-                                      </p:cBhvr>
-                                    </p:animEffect>
-                                  </p:childTnLst>
-                                </p:cTn>
-                              </p:par>
-                            </p:childTnLst>
-                          </p:cTn>
-                        </p:par>
-                      </p:childTnLst>
-                    </p:cTn>
-                  </p:par>
-                </p:childTnLst>
-              </p:cTn>
-              <p:prevCondLst>
-                <p:cond evt="onPrev" delay="0">
-                  <p:tgtEl>
-                    <p:sldTgt/>
-                  </p:tgtEl>
-                </p:cond>
-              </p:prevCondLst>
-              <p:nextCondLst>
-                <p:cond evt="onNext" delay="0">
-                  <p:tgtEl>
-                    <p:sldTgt/>
-                  </p:tgtEl>
-                </p:cond>
-              </p:nextCondLst>
-            </p:seq>
-          </p:childTnLst>
-        </p:cTn>
-      </p:par>
-    </p:tnLst>
-  </p:timing>
 </p:sld>
 </file>
 
-<file path=ppt/slides/slide8.xml><?xml version="1.0" encoding="utf-8"?>
+<file path=ppt/slides/slide9.xml><?xml version="1.0" encoding="utf-8"?>
 <p:sld xmlns:a="http://schemas.openxmlformats.org/drawingml/2006/main" xmlns:r="http://schemas.openxmlformats.org/officeDocument/2006/relationships" xmlns:p="http://schemas.openxmlformats.org/presentationml/2006/main">
   <p:cSld>
     <p:spTree>
@@ -9941,165 +10379,6 @@
       </p:par>
     </p:tnLst>
   </p:timing>
-</p:sld>
-</file>
-
-<file path=ppt/slides/slide9.xml><?xml version="1.0" encoding="utf-8"?>
-<p:sld xmlns:a="http://schemas.openxmlformats.org/drawingml/2006/main" xmlns:r="http://schemas.openxmlformats.org/officeDocument/2006/relationships" xmlns:p="http://schemas.openxmlformats.org/presentationml/2006/main">
-  <p:cSld>
-    <p:bg>
-      <p:bgPr>
-        <a:gradFill flip="none" rotWithShape="1">
-          <a:gsLst>
-            <a:gs pos="0">
-              <a:srgbClr val="D9D9D9"/>
-            </a:gs>
-            <a:gs pos="100000">
-              <a:schemeClr val="bg1"/>
-            </a:gs>
-          </a:gsLst>
-          <a:lin ang="16200000" scaled="1"/>
-          <a:tileRect/>
-        </a:gradFill>
-        <a:effectLst/>
-      </p:bgPr>
-    </p:bg>
-    <p:spTree>
-      <p:nvGrpSpPr>
-        <p:cNvPr id="1" name=""/>
-        <p:cNvGrpSpPr/>
-        <p:nvPr/>
-      </p:nvGrpSpPr>
-      <p:grpSpPr>
-        <a:xfrm>
-          <a:off x="0" y="0"/>
-          <a:ext cx="0" cy="0"/>
-          <a:chOff x="0" y="0"/>
-          <a:chExt cx="0" cy="0"/>
-        </a:xfrm>
-      </p:grpSpPr>
-      <p:sp>
-        <p:nvSpPr>
-          <p:cNvPr id="2" name="Title 1"/>
-          <p:cNvSpPr>
-            <a:spLocks noGrp="1"/>
-          </p:cNvSpPr>
-          <p:nvPr>
-            <p:ph type="title"/>
-          </p:nvPr>
-        </p:nvSpPr>
-        <p:spPr>
-          <a:prstGeom prst="rect">
-            <a:avLst/>
-          </a:prstGeom>
-        </p:spPr>
-        <p:txBody>
-          <a:bodyPr anchor="ctr">
-            <a:normAutofit/>
-          </a:bodyPr>
-          <a:lstStyle/>
-          <a:p>
-            <a:r>
-              <a:rPr lang="en-US" dirty="0"/>
-              <a:t>Prototype</a:t>
-            </a:r>
-          </a:p>
-        </p:txBody>
-      </p:sp>
-      <p:pic>
-        <p:nvPicPr>
-          <p:cNvPr id="6" name="Picture Placeholder 5" descr="A screenshot of a person&#10;&#10;Description automatically generated">
-            <a:extLst>
-              <a:ext uri="{FF2B5EF4-FFF2-40B4-BE49-F238E27FC236}">
-                <a16:creationId xmlns:a16="http://schemas.microsoft.com/office/drawing/2014/main" id="{FD0D2C1A-2377-498A-9D6C-FFABF2B227B0}"/>
-              </a:ext>
-            </a:extLst>
-          </p:cNvPr>
-          <p:cNvPicPr>
-            <a:picLocks noGrp="1" noChangeAspect="1"/>
-          </p:cNvPicPr>
-          <p:nvPr>
-            <p:ph sz="half" idx="2"/>
-          </p:nvPr>
-        </p:nvPicPr>
-        <p:blipFill rotWithShape="1">
-          <a:blip r:embed="rId2">
-            <a:extLst>
-              <a:ext uri="{28A0092B-C50C-407E-A947-70E740481C1C}">
-                <a14:useLocalDpi xmlns:a14="http://schemas.microsoft.com/office/drawing/2010/main" val="0"/>
-              </a:ext>
-            </a:extLst>
-          </a:blip>
-          <a:stretch/>
-        </p:blipFill>
-        <p:spPr>
-          <a:xfrm>
-            <a:off x="76200" y="2057400"/>
-            <a:ext cx="5714999" cy="3886200"/>
-          </a:xfrm>
-          <a:prstGeom prst="rect">
-            <a:avLst/>
-          </a:prstGeom>
-          <a:noFill/>
-        </p:spPr>
-      </p:pic>
-      <p:pic>
-        <p:nvPicPr>
-          <p:cNvPr id="7" name="Content Placeholder 6" descr="A screenshot of a cell phone&#10;&#10;Description automatically generated">
-            <a:extLst>
-              <a:ext uri="{FF2B5EF4-FFF2-40B4-BE49-F238E27FC236}">
-                <a16:creationId xmlns:a16="http://schemas.microsoft.com/office/drawing/2014/main" id="{FD6331A0-63D2-40F3-A656-9DE5FD4F351C}"/>
-              </a:ext>
-            </a:extLst>
-          </p:cNvPr>
-          <p:cNvPicPr>
-            <a:picLocks noGrp="1" noChangeAspect="1"/>
-          </p:cNvPicPr>
-          <p:nvPr>
-            <p:ph sz="quarter" idx="4"/>
-          </p:nvPr>
-        </p:nvPicPr>
-        <p:blipFill>
-          <a:blip r:embed="rId3">
-            <a:extLst>
-              <a:ext uri="{28A0092B-C50C-407E-A947-70E740481C1C}">
-                <a14:useLocalDpi xmlns:a14="http://schemas.microsoft.com/office/drawing/2010/main" val="0"/>
-              </a:ext>
-            </a:extLst>
-          </a:blip>
-          <a:stretch>
-            <a:fillRect/>
-          </a:stretch>
-        </p:blipFill>
-        <p:spPr>
-          <a:xfrm>
-            <a:off x="6019800" y="2133600"/>
-            <a:ext cx="5562600" cy="3810000"/>
-          </a:xfrm>
-        </p:spPr>
-      </p:pic>
-    </p:spTree>
-    <p:extLst>
-      <p:ext uri="{BB962C8B-B14F-4D97-AF65-F5344CB8AC3E}">
-        <p14:creationId xmlns:p14="http://schemas.microsoft.com/office/powerpoint/2010/main" val="3049232890"/>
-      </p:ext>
-    </p:extLst>
-  </p:cSld>
-  <p:clrMapOvr>
-    <a:masterClrMapping/>
-  </p:clrMapOvr>
-  <mc:AlternateContent xmlns:mc="http://schemas.openxmlformats.org/markup-compatibility/2006" xmlns:p14="http://schemas.microsoft.com/office/powerpoint/2010/main">
-    <mc:Choice Requires="p14">
-      <p:transition spd="med" p14:dur="700">
-        <p:fade/>
-      </p:transition>
-    </mc:Choice>
-    <mc:Fallback xmlns="">
-      <p:transition spd="med">
-        <p:fade/>
-      </p:transition>
-    </mc:Fallback>
-  </mc:AlternateContent>
 </p:sld>
 </file>
 

--- a/T-Health.ProjectPresentation.pptx
+++ b/T-Health.ProjectPresentation.pptx
@@ -5,10 +5,10 @@
     <p:sldMasterId id="2147483648" r:id="rId1"/>
   </p:sldMasterIdLst>
   <p:notesMasterIdLst>
-    <p:notesMasterId r:id="rId15"/>
+    <p:notesMasterId r:id="rId17"/>
   </p:notesMasterIdLst>
   <p:handoutMasterIdLst>
-    <p:handoutMasterId r:id="rId16"/>
+    <p:handoutMasterId r:id="rId18"/>
   </p:handoutMasterIdLst>
   <p:sldIdLst>
     <p:sldId id="256" r:id="rId2"/>
@@ -20,10 +20,12 @@
     <p:sldId id="269" r:id="rId8"/>
     <p:sldId id="262" r:id="rId9"/>
     <p:sldId id="265" r:id="rId10"/>
-    <p:sldId id="266" r:id="rId11"/>
-    <p:sldId id="270" r:id="rId12"/>
-    <p:sldId id="268" r:id="rId13"/>
-    <p:sldId id="267" r:id="rId14"/>
+    <p:sldId id="272" r:id="rId11"/>
+    <p:sldId id="266" r:id="rId12"/>
+    <p:sldId id="270" r:id="rId13"/>
+    <p:sldId id="268" r:id="rId14"/>
+    <p:sldId id="271" r:id="rId15"/>
+    <p:sldId id="267" r:id="rId16"/>
   </p:sldIdLst>
   <p:sldSz cx="12192000" cy="6858000"/>
   <p:notesSz cx="6858000" cy="9144000"/>
@@ -3026,7 +3028,7 @@
           <a:p>
             <a:fld id="{783F64CD-0576-4A9A-BD06-7889D6E60BDC}" type="datetimeFigureOut">
               <a:rPr lang="en-US"/>
-              <a:t>11/20/2019</a:t>
+              <a:t>11/21/2019</a:t>
             </a:fld>
             <a:endParaRPr/>
           </a:p>
@@ -3624,7 +3626,7 @@
           <a:p>
             <a:fld id="{37CC0096-1860-4642-9CD2-0079EA5E7CD1}" type="datetimeFigureOut">
               <a:rPr lang="en-US"/>
-              <a:t>11/20/2019</a:t>
+              <a:t>11/21/2019</a:t>
             </a:fld>
             <a:endParaRPr/>
           </a:p>
@@ -3873,7 +3875,7 @@
           <a:p>
             <a:fld id="{37CC0096-1860-4642-9CD2-0079EA5E7CD1}" type="datetimeFigureOut">
               <a:rPr lang="en-US"/>
-              <a:t>11/20/2019</a:t>
+              <a:t>11/21/2019</a:t>
             </a:fld>
             <a:endParaRPr/>
           </a:p>
@@ -4059,7 +4061,7 @@
           <a:p>
             <a:fld id="{37CC0096-1860-4642-9CD2-0079EA5E7CD1}" type="datetimeFigureOut">
               <a:rPr lang="en-US"/>
-              <a:t>11/20/2019</a:t>
+              <a:t>11/21/2019</a:t>
             </a:fld>
             <a:endParaRPr/>
           </a:p>
@@ -4590,7 +4592,7 @@
           <a:p>
             <a:fld id="{37CC0096-1860-4642-9CD2-0079EA5E7CD1}" type="datetimeFigureOut">
               <a:rPr lang="en-US"/>
-              <a:t>11/20/2019</a:t>
+              <a:t>11/21/2019</a:t>
             </a:fld>
             <a:endParaRPr/>
           </a:p>
@@ -5042,7 +5044,7 @@
           <a:p>
             <a:fld id="{37CC0096-1860-4642-9CD2-0079EA5E7CD1}" type="datetimeFigureOut">
               <a:rPr lang="en-US"/>
-              <a:t>11/20/2019</a:t>
+              <a:t>11/21/2019</a:t>
             </a:fld>
             <a:endParaRPr/>
           </a:p>
@@ -5172,7 +5174,7 @@
           <a:p>
             <a:fld id="{37CC0096-1860-4642-9CD2-0079EA5E7CD1}" type="datetimeFigureOut">
               <a:rPr lang="en-US"/>
-              <a:t>11/20/2019</a:t>
+              <a:t>11/21/2019</a:t>
             </a:fld>
             <a:endParaRPr/>
           </a:p>
@@ -5279,7 +5281,7 @@
           <a:p>
             <a:fld id="{37CC0096-1860-4642-9CD2-0079EA5E7CD1}" type="datetimeFigureOut">
               <a:rPr lang="en-US"/>
-              <a:t>11/20/2019</a:t>
+              <a:t>11/21/2019</a:t>
             </a:fld>
             <a:endParaRPr/>
           </a:p>
@@ -6268,7 +6270,7 @@
             <a:fld id="{37CC0096-1860-4642-9CD2-0079EA5E7CD1}" type="datetimeFigureOut">
               <a:rPr lang="en-US" smtClean="0"/>
               <a:pPr/>
-              <a:t>11/20/2019</a:t>
+              <a:t>11/21/2019</a:t>
             </a:fld>
             <a:endParaRPr lang="en-US" dirty="0"/>
           </a:p>
@@ -6771,6 +6773,111 @@
 <file path=ppt/slides/slide10.xml><?xml version="1.0" encoding="utf-8"?>
 <p:sld xmlns:a="http://schemas.openxmlformats.org/drawingml/2006/main" xmlns:r="http://schemas.openxmlformats.org/officeDocument/2006/relationships" xmlns:p="http://schemas.openxmlformats.org/presentationml/2006/main">
   <p:cSld>
+    <p:spTree>
+      <p:nvGrpSpPr>
+        <p:cNvPr id="1" name=""/>
+        <p:cNvGrpSpPr/>
+        <p:nvPr/>
+      </p:nvGrpSpPr>
+      <p:grpSpPr>
+        <a:xfrm>
+          <a:off x="0" y="0"/>
+          <a:ext cx="0" cy="0"/>
+          <a:chOff x="0" y="0"/>
+          <a:chExt cx="0" cy="0"/>
+        </a:xfrm>
+      </p:grpSpPr>
+      <p:sp>
+        <p:nvSpPr>
+          <p:cNvPr id="2" name="Title 1">
+            <a:extLst>
+              <a:ext uri="{FF2B5EF4-FFF2-40B4-BE49-F238E27FC236}">
+                <a16:creationId xmlns:a16="http://schemas.microsoft.com/office/drawing/2014/main" id="{654DB319-FE5D-4D5F-BAE4-48650416BB40}"/>
+              </a:ext>
+            </a:extLst>
+          </p:cNvPr>
+          <p:cNvSpPr>
+            <a:spLocks noGrp="1"/>
+          </p:cNvSpPr>
+          <p:nvPr>
+            <p:ph type="title"/>
+          </p:nvPr>
+        </p:nvSpPr>
+        <p:spPr/>
+        <p:txBody>
+          <a:bodyPr/>
+          <a:lstStyle/>
+          <a:p>
+            <a:r>
+              <a:rPr lang="en-US" dirty="0"/>
+              <a:t>ER Diagram</a:t>
+            </a:r>
+          </a:p>
+        </p:txBody>
+      </p:sp>
+      <p:pic>
+        <p:nvPicPr>
+          <p:cNvPr id="6" name="Content Placeholder 5" descr="A screenshot of a map&#10;&#10;Description automatically generated">
+            <a:extLst>
+              <a:ext uri="{FF2B5EF4-FFF2-40B4-BE49-F238E27FC236}">
+                <a16:creationId xmlns:a16="http://schemas.microsoft.com/office/drawing/2014/main" id="{BA7A1665-1D63-431F-9724-0424E694621B}"/>
+              </a:ext>
+            </a:extLst>
+          </p:cNvPr>
+          <p:cNvPicPr>
+            <a:picLocks noGrp="1" noChangeAspect="1"/>
+          </p:cNvPicPr>
+          <p:nvPr>
+            <p:ph idx="1"/>
+          </p:nvPr>
+        </p:nvPicPr>
+        <p:blipFill>
+          <a:blip r:embed="rId2">
+            <a:extLst>
+              <a:ext uri="{28A0092B-C50C-407E-A947-70E740481C1C}">
+                <a14:useLocalDpi xmlns:a14="http://schemas.microsoft.com/office/drawing/2010/main" val="0"/>
+              </a:ext>
+            </a:extLst>
+          </a:blip>
+          <a:stretch>
+            <a:fillRect/>
+          </a:stretch>
+        </p:blipFill>
+        <p:spPr>
+          <a:xfrm>
+            <a:off x="457200" y="563631"/>
+            <a:ext cx="6248400" cy="6141969"/>
+          </a:xfrm>
+        </p:spPr>
+      </p:pic>
+    </p:spTree>
+    <p:extLst>
+      <p:ext uri="{BB962C8B-B14F-4D97-AF65-F5344CB8AC3E}">
+        <p14:creationId xmlns:p14="http://schemas.microsoft.com/office/powerpoint/2010/main" val="852133401"/>
+      </p:ext>
+    </p:extLst>
+  </p:cSld>
+  <p:clrMapOvr>
+    <a:masterClrMapping/>
+  </p:clrMapOvr>
+  <mc:AlternateContent xmlns:mc="http://schemas.openxmlformats.org/markup-compatibility/2006" xmlns:p14="http://schemas.microsoft.com/office/powerpoint/2010/main">
+    <mc:Choice Requires="p14">
+      <p:transition spd="med" p14:dur="700">
+        <p:fade/>
+      </p:transition>
+    </mc:Choice>
+    <mc:Fallback xmlns="">
+      <p:transition spd="med">
+        <p:fade/>
+      </p:transition>
+    </mc:Fallback>
+  </mc:AlternateContent>
+</p:sld>
+</file>
+
+<file path=ppt/slides/slide11.xml><?xml version="1.0" encoding="utf-8"?>
+<p:sld xmlns:a="http://schemas.openxmlformats.org/drawingml/2006/main" xmlns:r="http://schemas.openxmlformats.org/officeDocument/2006/relationships" xmlns:p="http://schemas.openxmlformats.org/presentationml/2006/main">
+  <p:cSld>
     <p:bg>
       <p:bgPr>
         <a:gradFill flip="none" rotWithShape="1">
@@ -6927,7 +7034,7 @@
 </p:sld>
 </file>
 
-<file path=ppt/slides/slide11.xml><?xml version="1.0" encoding="utf-8"?>
+<file path=ppt/slides/slide12.xml><?xml version="1.0" encoding="utf-8"?>
 <p:sld xmlns:a="http://schemas.openxmlformats.org/drawingml/2006/main" xmlns:r="http://schemas.openxmlformats.org/officeDocument/2006/relationships" xmlns:p="http://schemas.openxmlformats.org/presentationml/2006/main">
   <p:cSld>
     <p:spTree>
@@ -7186,7 +7293,7 @@
 </p:sld>
 </file>
 
-<file path=ppt/slides/slide12.xml><?xml version="1.0" encoding="utf-8"?>
+<file path=ppt/slides/slide13.xml><?xml version="1.0" encoding="utf-8"?>
 <p:sld xmlns:a="http://schemas.openxmlformats.org/drawingml/2006/main" xmlns:r="http://schemas.openxmlformats.org/officeDocument/2006/relationships" xmlns:p="http://schemas.openxmlformats.org/presentationml/2006/main">
   <p:cSld>
     <p:spTree>
@@ -7372,7 +7479,79 @@
 </p:sld>
 </file>
 
-<file path=ppt/slides/slide13.xml><?xml version="1.0" encoding="utf-8"?>
+<file path=ppt/slides/slide14.xml><?xml version="1.0" encoding="utf-8"?>
+<p:sld xmlns:a="http://schemas.openxmlformats.org/drawingml/2006/main" xmlns:r="http://schemas.openxmlformats.org/officeDocument/2006/relationships" xmlns:p="http://schemas.openxmlformats.org/presentationml/2006/main">
+  <p:cSld>
+    <p:spTree>
+      <p:nvGrpSpPr>
+        <p:cNvPr id="1" name=""/>
+        <p:cNvGrpSpPr/>
+        <p:nvPr/>
+      </p:nvGrpSpPr>
+      <p:grpSpPr>
+        <a:xfrm>
+          <a:off x="0" y="0"/>
+          <a:ext cx="0" cy="0"/>
+          <a:chOff x="0" y="0"/>
+          <a:chExt cx="0" cy="0"/>
+        </a:xfrm>
+      </p:grpSpPr>
+      <p:sp>
+        <p:nvSpPr>
+          <p:cNvPr id="5" name="Title 4">
+            <a:extLst>
+              <a:ext uri="{FF2B5EF4-FFF2-40B4-BE49-F238E27FC236}">
+                <a16:creationId xmlns:a16="http://schemas.microsoft.com/office/drawing/2014/main" id="{AE259376-3093-47BD-AF2F-59F46CB07B1F}"/>
+              </a:ext>
+            </a:extLst>
+          </p:cNvPr>
+          <p:cNvSpPr>
+            <a:spLocks noGrp="1"/>
+          </p:cNvSpPr>
+          <p:nvPr>
+            <p:ph type="title"/>
+          </p:nvPr>
+        </p:nvSpPr>
+        <p:spPr/>
+        <p:txBody>
+          <a:bodyPr>
+            <a:normAutofit/>
+          </a:bodyPr>
+          <a:lstStyle/>
+          <a:p>
+            <a:r>
+              <a:rPr lang="en-US" sz="7200" dirty="0"/>
+              <a:t>Demo</a:t>
+            </a:r>
+          </a:p>
+        </p:txBody>
+      </p:sp>
+    </p:spTree>
+    <p:extLst>
+      <p:ext uri="{BB962C8B-B14F-4D97-AF65-F5344CB8AC3E}">
+        <p14:creationId xmlns:p14="http://schemas.microsoft.com/office/powerpoint/2010/main" val="2111270833"/>
+      </p:ext>
+    </p:extLst>
+  </p:cSld>
+  <p:clrMapOvr>
+    <a:masterClrMapping/>
+  </p:clrMapOvr>
+  <mc:AlternateContent xmlns:mc="http://schemas.openxmlformats.org/markup-compatibility/2006" xmlns:p14="http://schemas.microsoft.com/office/powerpoint/2010/main">
+    <mc:Choice Requires="p14">
+      <p:transition spd="med" p14:dur="700">
+        <p:fade/>
+      </p:transition>
+    </mc:Choice>
+    <mc:Fallback xmlns="">
+      <p:transition spd="med">
+        <p:fade/>
+      </p:transition>
+    </mc:Fallback>
+  </mc:AlternateContent>
+</p:sld>
+</file>
+
+<file path=ppt/slides/slide15.xml><?xml version="1.0" encoding="utf-8"?>
 <p:sld xmlns:a="http://schemas.openxmlformats.org/drawingml/2006/main" xmlns:r="http://schemas.openxmlformats.org/officeDocument/2006/relationships" xmlns:p="http://schemas.openxmlformats.org/presentationml/2006/main">
   <p:cSld>
     <p:spTree>
